--- a/Group7_SortingAlgorithms.pptx
+++ b/Group7_SortingAlgorithms.pptx
@@ -983,7 +983,7 @@
         </p:nvSpPr>
         <p:spPr>
           <a:xfrm>
-            <a:off x="381300" y="685800"/>
+            <a:off x="381000" y="685800"/>
             <a:ext cx="6096000" cy="3429000"/>
           </a:xfrm>
           <a:custGeom>
@@ -1087,7 +1087,7 @@
         </p:nvSpPr>
         <p:spPr>
           <a:xfrm>
-            <a:off x="381300" y="685800"/>
+            <a:off x="381000" y="685800"/>
             <a:ext cx="6096000" cy="3429000"/>
           </a:xfrm>
           <a:custGeom>
@@ -1295,7 +1295,7 @@
         </p:nvSpPr>
         <p:spPr>
           <a:xfrm>
-            <a:off x="381300" y="685800"/>
+            <a:off x="381000" y="685800"/>
             <a:ext cx="6096000" cy="3429000"/>
           </a:xfrm>
           <a:custGeom>
@@ -1399,7 +1399,7 @@
         </p:nvSpPr>
         <p:spPr>
           <a:xfrm>
-            <a:off x="381300" y="685800"/>
+            <a:off x="381000" y="685800"/>
             <a:ext cx="6096000" cy="3429000"/>
           </a:xfrm>
           <a:custGeom>
@@ -1503,7 +1503,7 @@
         </p:nvSpPr>
         <p:spPr>
           <a:xfrm>
-            <a:off x="381300" y="685800"/>
+            <a:off x="381000" y="685800"/>
             <a:ext cx="6096000" cy="3429000"/>
           </a:xfrm>
           <a:custGeom>
@@ -2027,7 +2027,7 @@
         </p:nvSpPr>
         <p:spPr>
           <a:xfrm>
-            <a:off x="381300" y="685800"/>
+            <a:off x="381000" y="685800"/>
             <a:ext cx="6096000" cy="3429000"/>
           </a:xfrm>
           <a:custGeom>
@@ -2235,7 +2235,7 @@
         </p:nvSpPr>
         <p:spPr>
           <a:xfrm>
-            <a:off x="381300" y="685800"/>
+            <a:off x="381000" y="685800"/>
             <a:ext cx="6096000" cy="3429000"/>
           </a:xfrm>
           <a:custGeom>
@@ -2547,7 +2547,7 @@
         </p:nvSpPr>
         <p:spPr>
           <a:xfrm>
-            <a:off x="381300" y="685800"/>
+            <a:off x="381000" y="685800"/>
             <a:ext cx="6096000" cy="3429000"/>
           </a:xfrm>
           <a:custGeom>
@@ -2651,7 +2651,7 @@
         </p:nvSpPr>
         <p:spPr>
           <a:xfrm>
-            <a:off x="381300" y="685800"/>
+            <a:off x="381000" y="685800"/>
             <a:ext cx="6096000" cy="3429000"/>
           </a:xfrm>
           <a:custGeom>
@@ -2755,7 +2755,7 @@
         </p:nvSpPr>
         <p:spPr>
           <a:xfrm>
-            <a:off x="381300" y="685800"/>
+            <a:off x="381000" y="685800"/>
             <a:ext cx="6096000" cy="3429000"/>
           </a:xfrm>
           <a:custGeom>
@@ -2818,7 +2818,7 @@
               </a:spcAft>
               <a:buNone/>
             </a:pPr>
-            <a:endParaRPr/>
+            <a:endParaRPr dirty="0"/>
           </a:p>
         </p:txBody>
       </p:sp>
@@ -11424,10 +11424,10 @@
               <a:buNone/>
             </a:pPr>
             <a:r>
-              <a:rPr lang="en" sz="1700"/>
+              <a:rPr lang="en" sz="1700" dirty="0"/>
               <a:t>Bubble Sort is a simple comparison-based algorithm that repeatedly steps through the list, compares adjacent elements, and swaps them if they are in the wrong order. </a:t>
             </a:r>
-            <a:endParaRPr sz="1700"/>
+            <a:endParaRPr sz="1700" dirty="0"/>
           </a:p>
           <a:p>
             <a:pPr marL="0" lvl="0" indent="0" algn="l" rtl="0">
@@ -11440,10 +11440,10 @@
               <a:buNone/>
             </a:pPr>
             <a:r>
-              <a:rPr lang="en" sz="1700"/>
+              <a:rPr lang="en" sz="1700" dirty="0"/>
               <a:t>It continues to do so until the list is sorted.</a:t>
             </a:r>
-            <a:endParaRPr sz="1700"/>
+            <a:endParaRPr sz="1700" dirty="0"/>
           </a:p>
           <a:p>
             <a:pPr marL="0" lvl="0" indent="0" algn="l" rtl="0">
@@ -11455,7 +11455,7 @@
               </a:spcAft>
               <a:buNone/>
             </a:pPr>
-            <a:endParaRPr sz="1700"/>
+            <a:endParaRPr sz="1700" dirty="0"/>
           </a:p>
           <a:p>
             <a:pPr marL="0" lvl="0" indent="0" algn="l" rtl="0">
@@ -11473,10 +11473,10 @@
               <a:buNone/>
             </a:pPr>
             <a:r>
-              <a:rPr lang="en" sz="1700"/>
+              <a:rPr lang="en" sz="1700" dirty="0"/>
               <a:t>Bubble sort is:</a:t>
             </a:r>
-            <a:endParaRPr sz="1700"/>
+            <a:endParaRPr sz="1700" dirty="0"/>
           </a:p>
           <a:p>
             <a:pPr marL="457200" lvl="0" indent="-336550" algn="l" rtl="0">
@@ -11490,10 +11490,10 @@
               <a:buAutoNum type="arabicPeriod"/>
             </a:pPr>
             <a:r>
-              <a:rPr lang="en" sz="1700"/>
+              <a:rPr lang="en" sz="1700" dirty="0"/>
               <a:t>A simple sorting algorithm</a:t>
             </a:r>
-            <a:endParaRPr sz="1700"/>
+            <a:endParaRPr sz="1700" dirty="0"/>
           </a:p>
           <a:p>
             <a:pPr marL="457200" lvl="0" indent="-336550" algn="l" rtl="0">
@@ -11507,10 +11507,10 @@
               <a:buAutoNum type="arabicPeriod"/>
             </a:pPr>
             <a:r>
-              <a:rPr lang="en" sz="1700"/>
+              <a:rPr lang="en" sz="1700" dirty="0"/>
               <a:t>Also known as sinking sort</a:t>
             </a:r>
-            <a:endParaRPr sz="1700"/>
+            <a:endParaRPr sz="1700" dirty="0"/>
           </a:p>
           <a:p>
             <a:pPr marL="457200" lvl="0" indent="-336550" algn="l" rtl="0">
@@ -11524,11 +11524,11 @@
               <a:buAutoNum type="arabicPeriod"/>
             </a:pPr>
             <a:r>
-              <a:rPr lang="en" sz="1700"/>
+              <a:rPr lang="en" sz="1700" dirty="0"/>
               <a:t>Is a comparison sort, named for the way larger elements bubble up to the top of list. (</a:t>
             </a:r>
             <a:r>
-              <a:rPr lang="en" sz="1700" u="sng">
+              <a:rPr lang="en" sz="1700" u="sng" dirty="0">
                 <a:solidFill>
                   <a:schemeClr val="accent5"/>
                 </a:solidFill>
@@ -11543,10 +11543,10 @@
               <a:t>https://en.wikipedia.org/wiki/Bubble_sort</a:t>
             </a:r>
             <a:r>
-              <a:rPr lang="en" sz="1700"/>
+              <a:rPr lang="en" sz="1700" dirty="0"/>
               <a:t>)</a:t>
             </a:r>
-            <a:endParaRPr/>
+            <a:endParaRPr dirty="0"/>
           </a:p>
         </p:txBody>
       </p:sp>
@@ -11662,10 +11662,10 @@
               <a:buNone/>
             </a:pPr>
             <a:r>
-              <a:rPr lang="en" sz="1700"/>
+              <a:rPr lang="en" sz="1700" dirty="0"/>
               <a:t>Bubble sort repeatedly swaps the adjacent elements if they are in the wrong order. After each iteration or pass, the largest element reaches the end (in case of ascending order) or the smallest element reaches the end (in case of descending order). The pass through the list is repeated until the list is sorted. </a:t>
             </a:r>
-            <a:endParaRPr sz="1700"/>
+            <a:endParaRPr sz="1700" dirty="0"/>
           </a:p>
           <a:p>
             <a:pPr marL="0" lvl="0" indent="0" algn="l" rtl="0">
@@ -11677,7 +11677,7 @@
               </a:spcAft>
               <a:buNone/>
             </a:pPr>
-            <a:endParaRPr sz="1700"/>
+            <a:endParaRPr sz="1700" dirty="0"/>
           </a:p>
           <a:p>
             <a:pPr marL="152400" marR="152400" lvl="0" indent="0" algn="l" rtl="0">
@@ -11692,36 +11692,38 @@
               </a:spcAft>
               <a:buNone/>
             </a:pPr>
-            <a:endParaRPr sz="1700" b="1"/>
+            <a:endParaRPr sz="1700" b="1" dirty="0"/>
           </a:p>
         </p:txBody>
       </p:sp>
       <p:pic>
         <p:nvPicPr>
-          <p:cNvPr id="196" name="Google Shape;196;p23"/>
-          <p:cNvPicPr preferRelativeResize="0"/>
+          <p:cNvPr id="4" name="Picture 3" descr="A graph of a bubble sort&#10;&#10;Description automatically generated">
+            <a:extLst>
+              <a:ext uri="{FF2B5EF4-FFF2-40B4-BE49-F238E27FC236}">
+                <a16:creationId xmlns:a16="http://schemas.microsoft.com/office/drawing/2014/main" id="{92700DB7-8994-1BB5-A1C1-0EEB6E073416}"/>
+              </a:ext>
+            </a:extLst>
+          </p:cNvPr>
+          <p:cNvPicPr>
+            <a:picLocks noChangeAspect="1"/>
+          </p:cNvPicPr>
           <p:nvPr/>
         </p:nvPicPr>
         <p:blipFill>
-          <a:blip r:embed="rId3">
-            <a:alphaModFix/>
-          </a:blip>
+          <a:blip r:embed="rId3"/>
           <a:stretch>
             <a:fillRect/>
           </a:stretch>
         </p:blipFill>
         <p:spPr>
           <a:xfrm>
-            <a:off x="3143250" y="2776550"/>
-            <a:ext cx="2857500" cy="1714500"/>
+            <a:off x="2900680" y="2571750"/>
+            <a:ext cx="3342639" cy="2208600"/>
           </a:xfrm>
           <a:prstGeom prst="rect">
             <a:avLst/>
           </a:prstGeom>
-          <a:noFill/>
-          <a:ln>
-            <a:noFill/>
-          </a:ln>
         </p:spPr>
       </p:pic>
     </p:spTree>
@@ -11836,10 +11838,14 @@
               <a:buNone/>
             </a:pPr>
             <a:r>
-              <a:rPr lang="en" sz="1700"/>
-              <a:t>BubbleSort(array)</a:t>
-            </a:r>
-            <a:endParaRPr sz="1700"/>
+              <a:rPr lang="en" sz="1400" dirty="0" err="1"/>
+              <a:t>BubbleSort</a:t>
+            </a:r>
+            <a:r>
+              <a:rPr lang="en" sz="1400" dirty="0"/>
+              <a:t>(array)</a:t>
+            </a:r>
+            <a:endParaRPr sz="1400" dirty="0"/>
           </a:p>
           <a:p>
             <a:pPr marL="0" lvl="0" indent="0" algn="l" rtl="0">
@@ -11852,10 +11858,18 @@
               <a:buNone/>
             </a:pPr>
             <a:r>
-              <a:rPr lang="en" sz="1700"/>
-              <a:t>  for i &lt;- 1 to indexOfLastUnsortedElement-1</a:t>
-            </a:r>
-            <a:endParaRPr sz="1700"/>
+              <a:rPr lang="en" sz="1400" dirty="0"/>
+              <a:t>  for </a:t>
+            </a:r>
+            <a:r>
+              <a:rPr lang="en" sz="1400" dirty="0" err="1"/>
+              <a:t>i</a:t>
+            </a:r>
+            <a:r>
+              <a:rPr lang="en" sz="1400" dirty="0"/>
+              <a:t> &lt;- 1 to indexOfLastUnsortedElement-1</a:t>
+            </a:r>
+            <a:endParaRPr sz="1400" dirty="0"/>
           </a:p>
           <a:p>
             <a:pPr marL="0" lvl="0" indent="0" algn="l" rtl="0">
@@ -11868,10 +11882,22 @@
               <a:buNone/>
             </a:pPr>
             <a:r>
-              <a:rPr lang="en" sz="1700"/>
-              <a:t>    if leftElement &gt; rightElement</a:t>
-            </a:r>
-            <a:endParaRPr sz="1700"/>
+              <a:rPr lang="en" sz="1400" dirty="0"/>
+              <a:t>    if </a:t>
+            </a:r>
+            <a:r>
+              <a:rPr lang="en" sz="1400" dirty="0" err="1"/>
+              <a:t>leftElement</a:t>
+            </a:r>
+            <a:r>
+              <a:rPr lang="en" sz="1400" dirty="0"/>
+              <a:t> &gt; </a:t>
+            </a:r>
+            <a:r>
+              <a:rPr lang="en" sz="1400" dirty="0" err="1"/>
+              <a:t>rightElement</a:t>
+            </a:r>
+            <a:endParaRPr sz="1400" dirty="0"/>
           </a:p>
           <a:p>
             <a:pPr marL="0" lvl="0" indent="0" algn="l" rtl="0">
@@ -11884,10 +11910,22 @@
               <a:buNone/>
             </a:pPr>
             <a:r>
-              <a:rPr lang="en" sz="1700"/>
-              <a:t>      swap leftElement and rightElement</a:t>
-            </a:r>
-            <a:endParaRPr sz="1700"/>
+              <a:rPr lang="en" sz="1400" dirty="0"/>
+              <a:t>      swap </a:t>
+            </a:r>
+            <a:r>
+              <a:rPr lang="en" sz="1400" dirty="0" err="1"/>
+              <a:t>leftElement</a:t>
+            </a:r>
+            <a:r>
+              <a:rPr lang="en" sz="1400" dirty="0"/>
+              <a:t> and </a:t>
+            </a:r>
+            <a:r>
+              <a:rPr lang="en" sz="1400" dirty="0" err="1"/>
+              <a:t>rightElement</a:t>
+            </a:r>
+            <a:endParaRPr sz="1400" dirty="0"/>
           </a:p>
           <a:p>
             <a:pPr marL="152400" marR="152400" lvl="0" indent="0" algn="l" rtl="0">
@@ -11903,32 +11941,50 @@
               <a:buNone/>
             </a:pPr>
             <a:r>
-              <a:rPr lang="en" sz="1700"/>
-              <a:t>end bubbleSort (</a:t>
-            </a:r>
-            <a:r>
-              <a:rPr lang="en" sz="1700" u="sng">
-                <a:solidFill>
-                  <a:schemeClr val="accent5"/>
-                </a:solidFill>
-                <a:hlinkClick r:id="rId3">
-                  <a:extLst>
-                    <a:ext uri="{A12FA001-AC4F-418D-AE19-62706E023703}">
-                      <ahyp:hlinkClr xmlns:ahyp="http://schemas.microsoft.com/office/drawing/2018/hyperlinkcolor" val="tx"/>
-                    </a:ext>
-                  </a:extLst>
-                </a:hlinkClick>
-              </a:rPr>
-              <a:t>https://betterprogramming.pub/5-basic-sorting-algorithms-you-must-know-9ef5b1f3949c</a:t>
-            </a:r>
-            <a:r>
-              <a:rPr lang="en" sz="1700"/>
-              <a:t>)</a:t>
-            </a:r>
-            <a:endParaRPr sz="1700"/>
+              <a:rPr lang="en" sz="1400" dirty="0"/>
+              <a:t>end </a:t>
+            </a:r>
+            <a:r>
+              <a:rPr lang="en" sz="1400" dirty="0" err="1"/>
+              <a:t>bubbleSort</a:t>
+            </a:r>
+            <a:r>
+              <a:rPr lang="en" sz="1400" dirty="0"/>
+              <a:t> </a:t>
+            </a:r>
           </a:p>
         </p:txBody>
       </p:sp>
+      <p:pic>
+        <p:nvPicPr>
+          <p:cNvPr id="3" name="Picture 2" descr="A computer screen with text and symbols&#10;&#10;Description automatically generated">
+            <a:extLst>
+              <a:ext uri="{FF2B5EF4-FFF2-40B4-BE49-F238E27FC236}">
+                <a16:creationId xmlns:a16="http://schemas.microsoft.com/office/drawing/2014/main" id="{F6AE49A8-972F-9B6D-70D3-B78F865CE8DD}"/>
+              </a:ext>
+            </a:extLst>
+          </p:cNvPr>
+          <p:cNvPicPr>
+            <a:picLocks noChangeAspect="1"/>
+          </p:cNvPicPr>
+          <p:nvPr/>
+        </p:nvPicPr>
+        <p:blipFill>
+          <a:blip r:embed="rId3"/>
+          <a:stretch>
+            <a:fillRect/>
+          </a:stretch>
+        </p:blipFill>
+        <p:spPr>
+          <a:xfrm>
+            <a:off x="3758392" y="2642775"/>
+            <a:ext cx="5385608" cy="2385752"/>
+          </a:xfrm>
+          <a:prstGeom prst="rect">
+            <a:avLst/>
+          </a:prstGeom>
+        </p:spPr>
+      </p:pic>
     </p:spTree>
   </p:cSld>
   <p:clrMapOvr>
@@ -12104,7 +12160,7 @@
         </p:spPr>
         <p:txBody>
           <a:bodyPr spcFirstLastPara="1" wrap="square" lIns="91425" tIns="91425" rIns="91425" bIns="91425" anchor="t" anchorCtr="0">
-            <a:normAutofit lnSpcReduction="20000"/>
+            <a:normAutofit fontScale="92500" lnSpcReduction="10000"/>
           </a:bodyPr>
           <a:lstStyle/>
           <a:p>
@@ -12635,7 +12691,7 @@
         </p:spPr>
         <p:txBody>
           <a:bodyPr spcFirstLastPara="1" wrap="square" lIns="91425" tIns="91425" rIns="91425" bIns="91425" anchor="t" anchorCtr="0">
-            <a:normAutofit/>
+            <a:normAutofit fontScale="47500" lnSpcReduction="20000"/>
           </a:bodyPr>
           <a:lstStyle/>
           <a:p>
@@ -12773,8 +12829,8 @@
         </p:nvSpPr>
         <p:spPr>
           <a:xfrm>
-            <a:off x="1156550" y="1144500"/>
-            <a:ext cx="7179900" cy="3758700"/>
+            <a:off x="922713" y="1144500"/>
+            <a:ext cx="5439641" cy="3758700"/>
           </a:xfrm>
           <a:prstGeom prst="rect">
             <a:avLst/>
@@ -12804,10 +12860,10 @@
               <a:buNone/>
             </a:pPr>
             <a:r>
-              <a:rPr lang="en" sz="1700"/>
+              <a:rPr lang="en" sz="1400" dirty="0"/>
               <a:t>Insertion-sort(A)</a:t>
             </a:r>
-            <a:endParaRPr sz="1700"/>
+            <a:endParaRPr sz="1400" dirty="0"/>
           </a:p>
           <a:p>
             <a:pPr marL="0" lvl="0" indent="0" algn="l" rtl="0">
@@ -12828,10 +12884,10 @@
               <a:buNone/>
             </a:pPr>
             <a:r>
-              <a:rPr lang="en" sz="1700"/>
+              <a:rPr lang="en" sz="1400" dirty="0"/>
               <a:t>{</a:t>
             </a:r>
-            <a:endParaRPr sz="1700"/>
+            <a:endParaRPr sz="1400" dirty="0"/>
           </a:p>
           <a:p>
             <a:pPr marL="0" lvl="0" indent="0" algn="l" rtl="0">
@@ -12852,10 +12908,14 @@
               <a:buNone/>
             </a:pPr>
             <a:r>
-              <a:rPr lang="en" sz="1700"/>
-              <a:t>for j=1 to A.length</a:t>
-            </a:r>
-            <a:endParaRPr sz="1700"/>
+              <a:rPr lang="en" sz="1400" dirty="0"/>
+              <a:t>for j=1 to </a:t>
+            </a:r>
+            <a:r>
+              <a:rPr lang="en" sz="1400" dirty="0" err="1"/>
+              <a:t>A.length</a:t>
+            </a:r>
+            <a:endParaRPr sz="1400" dirty="0"/>
           </a:p>
           <a:p>
             <a:pPr marL="457200" lvl="0" indent="0" algn="l" rtl="0">
@@ -12876,10 +12936,18 @@
               <a:buNone/>
             </a:pPr>
             <a:r>
-              <a:rPr lang="en" sz="1700"/>
-              <a:t>key = A[ i ];</a:t>
-            </a:r>
-            <a:endParaRPr sz="1700"/>
+              <a:rPr lang="en" sz="1400" dirty="0"/>
+              <a:t>key = A[ </a:t>
+            </a:r>
+            <a:r>
+              <a:rPr lang="en" sz="1400" dirty="0" err="1"/>
+              <a:t>i</a:t>
+            </a:r>
+            <a:r>
+              <a:rPr lang="en" sz="1400" dirty="0"/>
+              <a:t> ];</a:t>
+            </a:r>
+            <a:endParaRPr sz="1400" dirty="0"/>
           </a:p>
           <a:p>
             <a:pPr marL="457200" lvl="0" indent="0" algn="l" rtl="0">
@@ -12900,10 +12968,18 @@
               <a:buNone/>
             </a:pPr>
             <a:r>
-              <a:rPr lang="en" sz="1700"/>
-              <a:t>// insert A [ i ] into sorted sequence A[1, 2, 3, .. n]</a:t>
-            </a:r>
-            <a:endParaRPr sz="1700"/>
+              <a:rPr lang="en" sz="1400" dirty="0"/>
+              <a:t>// insert A [ </a:t>
+            </a:r>
+            <a:r>
+              <a:rPr lang="en" sz="1400" dirty="0" err="1"/>
+              <a:t>i</a:t>
+            </a:r>
+            <a:r>
+              <a:rPr lang="en" sz="1400" dirty="0"/>
+              <a:t> ] into sorted sequence A[1, 2, 3, .. n]</a:t>
+            </a:r>
+            <a:endParaRPr sz="1400" dirty="0"/>
           </a:p>
           <a:p>
             <a:pPr marL="457200" lvl="0" indent="0" algn="l" rtl="0">
@@ -12924,10 +13000,18 @@
               <a:buNone/>
             </a:pPr>
             <a:r>
-              <a:rPr lang="en" sz="1700"/>
-              <a:t>j = i - 1 ;</a:t>
-            </a:r>
-            <a:endParaRPr sz="1700"/>
+              <a:rPr lang="en" sz="1400" dirty="0"/>
+              <a:t>j = </a:t>
+            </a:r>
+            <a:r>
+              <a:rPr lang="en" sz="1400" dirty="0" err="1"/>
+              <a:t>i</a:t>
+            </a:r>
+            <a:r>
+              <a:rPr lang="en" sz="1400" dirty="0"/>
+              <a:t> - 1 ;</a:t>
+            </a:r>
+            <a:endParaRPr sz="1400" dirty="0"/>
           </a:p>
           <a:p>
             <a:pPr marL="457200" lvl="0" indent="0" algn="l" rtl="0">
@@ -12948,10 +13032,10 @@
               <a:buNone/>
             </a:pPr>
             <a:r>
-              <a:rPr lang="en" sz="1700"/>
+              <a:rPr lang="en" sz="1400" dirty="0"/>
               <a:t>while (j&gt;0 and A[j] &gt; key)</a:t>
             </a:r>
-            <a:endParaRPr sz="1700"/>
+            <a:endParaRPr sz="1400" dirty="0"/>
           </a:p>
           <a:p>
             <a:pPr marL="457200" lvl="0" indent="457200" algn="l" rtl="0">
@@ -12972,10 +13056,10 @@
               <a:buNone/>
             </a:pPr>
             <a:r>
-              <a:rPr lang="en" sz="1700"/>
+              <a:rPr lang="en" sz="1400" dirty="0"/>
               <a:t>A[ j + 1] = A[j];</a:t>
             </a:r>
-            <a:endParaRPr sz="1700"/>
+            <a:endParaRPr sz="1400" dirty="0"/>
           </a:p>
           <a:p>
             <a:pPr marL="457200" lvl="0" indent="457200" algn="l" rtl="0">
@@ -12996,10 +13080,10 @@
               <a:buNone/>
             </a:pPr>
             <a:r>
-              <a:rPr lang="en" sz="1700"/>
+              <a:rPr lang="en" sz="1400" dirty="0"/>
               <a:t>j = j -1</a:t>
             </a:r>
-            <a:endParaRPr sz="1700"/>
+            <a:endParaRPr sz="1400" dirty="0"/>
           </a:p>
           <a:p>
             <a:pPr marL="457200" lvl="0" indent="0" algn="l" rtl="0">
@@ -13020,10 +13104,10 @@
               <a:buNone/>
             </a:pPr>
             <a:r>
-              <a:rPr lang="en" sz="1700"/>
+              <a:rPr lang="en" sz="1400" dirty="0"/>
               <a:t>A[j+1] = key</a:t>
             </a:r>
-            <a:endParaRPr sz="1700"/>
+            <a:endParaRPr sz="1400" dirty="0"/>
           </a:p>
           <a:p>
             <a:pPr marL="0" lvl="0" indent="0" algn="l" rtl="0">
@@ -13044,51 +13128,43 @@
               <a:buNone/>
             </a:pPr>
             <a:r>
-              <a:rPr lang="en" sz="1700"/>
+              <a:rPr lang="en" sz="1400" dirty="0"/>
               <a:t>} </a:t>
             </a:r>
-            <a:endParaRPr sz="1700"/>
-          </a:p>
-          <a:p>
-            <a:pPr marL="0" lvl="0" indent="0" algn="l" rtl="0">
-              <a:lnSpc>
-                <a:spcPct val="95000"/>
-              </a:lnSpc>
-              <a:spcBef>
-                <a:spcPts val="0"/>
-              </a:spcBef>
-              <a:spcAft>
-                <a:spcPts val="0"/>
-              </a:spcAft>
-              <a:buNone/>
-            </a:pPr>
-            <a:r>
-              <a:rPr lang="en" sz="1700"/>
-              <a:t>(</a:t>
-            </a:r>
-            <a:r>
-              <a:rPr lang="en" sz="1700" u="sng">
-                <a:solidFill>
-                  <a:schemeClr val="accent5"/>
-                </a:solidFill>
-                <a:hlinkClick r:id="rId3">
-                  <a:extLst>
-                    <a:ext uri="{A12FA001-AC4F-418D-AE19-62706E023703}">
-                      <ahyp:hlinkClr xmlns:ahyp="http://schemas.microsoft.com/office/drawing/2018/hyperlinkcolor" val="tx"/>
-                    </a:ext>
-                  </a:extLst>
-                </a:hlinkClick>
-              </a:rPr>
-              <a:t>https://betterprogramming.pub/5-basic-sorting-algorithms-you-must-know-9ef5b1f3949c</a:t>
-            </a:r>
-            <a:r>
-              <a:rPr lang="en"/>
-              <a:t>)</a:t>
-            </a:r>
-            <a:endParaRPr/>
+            <a:endParaRPr sz="1400" dirty="0"/>
           </a:p>
         </p:txBody>
       </p:sp>
+      <p:pic>
+        <p:nvPicPr>
+          <p:cNvPr id="3" name="Picture 2" descr="A computer screen with text on it&#10;&#10;Description automatically generated">
+            <a:extLst>
+              <a:ext uri="{FF2B5EF4-FFF2-40B4-BE49-F238E27FC236}">
+                <a16:creationId xmlns:a16="http://schemas.microsoft.com/office/drawing/2014/main" id="{09B4AC43-F776-7834-2BD1-5D76D59B9A6D}"/>
+              </a:ext>
+            </a:extLst>
+          </p:cNvPr>
+          <p:cNvPicPr>
+            <a:picLocks noChangeAspect="1"/>
+          </p:cNvPicPr>
+          <p:nvPr/>
+        </p:nvPicPr>
+        <p:blipFill>
+          <a:blip r:embed="rId3"/>
+          <a:stretch>
+            <a:fillRect/>
+          </a:stretch>
+        </p:blipFill>
+        <p:spPr>
+          <a:xfrm>
+            <a:off x="3496542" y="2310938"/>
+            <a:ext cx="5439640" cy="2592262"/>
+          </a:xfrm>
+          <a:prstGeom prst="rect">
+            <a:avLst/>
+          </a:prstGeom>
+        </p:spPr>
+      </p:pic>
     </p:spTree>
   </p:cSld>
   <p:clrMapOvr>
@@ -14951,7 +15027,7 @@
         </p:spPr>
         <p:txBody>
           <a:bodyPr spcFirstLastPara="1" wrap="square" lIns="91425" tIns="91425" rIns="91425" bIns="91425" anchor="t" anchorCtr="0">
-            <a:normAutofit fontScale="90000"/>
+            <a:normAutofit/>
           </a:bodyPr>
           <a:lstStyle/>
           <a:p>
@@ -15015,7 +15091,7 @@
         </p:spPr>
         <p:txBody>
           <a:bodyPr spcFirstLastPara="1" wrap="square" lIns="91425" tIns="91425" rIns="91425" bIns="91425" anchor="t" anchorCtr="0">
-            <a:normAutofit lnSpcReduction="20000"/>
+            <a:normAutofit fontScale="92500"/>
           </a:bodyPr>
           <a:lstStyle/>
           <a:p>
@@ -15626,7 +15702,7 @@
         </p:spPr>
         <p:txBody>
           <a:bodyPr spcFirstLastPara="1" wrap="square" lIns="91425" tIns="91425" rIns="91425" bIns="91425" anchor="t" anchorCtr="0">
-            <a:normAutofit fontScale="77500" lnSpcReduction="10000"/>
+            <a:normAutofit fontScale="77500" lnSpcReduction="20000"/>
           </a:bodyPr>
           <a:lstStyle/>
           <a:p>
@@ -16170,7 +16246,7 @@
         </p:spPr>
         <p:txBody>
           <a:bodyPr spcFirstLastPara="1" wrap="square" lIns="91425" tIns="91425" rIns="91425" bIns="91425" anchor="t" anchorCtr="0">
-            <a:normAutofit lnSpcReduction="20000"/>
+            <a:normAutofit fontScale="92500"/>
           </a:bodyPr>
           <a:lstStyle/>
           <a:p>
@@ -16394,8 +16470,8 @@
         </p:nvSpPr>
         <p:spPr>
           <a:xfrm>
-            <a:off x="1177800" y="1200650"/>
-            <a:ext cx="7699800" cy="3681000"/>
+            <a:off x="1177800" y="1072342"/>
+            <a:ext cx="7699800" cy="3809308"/>
           </a:xfrm>
           <a:prstGeom prst="rect">
             <a:avLst/>
@@ -16417,10 +16493,10 @@
               <a:buNone/>
             </a:pPr>
             <a:r>
-              <a:rPr lang="en" sz="1700"/>
+              <a:rPr lang="en" sz="1700" dirty="0"/>
               <a:t>Using the divide and conquer algorithm: </a:t>
             </a:r>
-            <a:endParaRPr sz="1700"/>
+            <a:endParaRPr sz="1700" dirty="0"/>
           </a:p>
           <a:p>
             <a:pPr marL="457200" lvl="0" indent="-336550" algn="l" rtl="0">
@@ -16434,10 +16510,10 @@
               <a:buChar char="●"/>
             </a:pPr>
             <a:r>
-              <a:rPr lang="en" sz="1700"/>
+              <a:rPr lang="en" sz="1700" dirty="0"/>
               <a:t>Divide the unsorted list into n subsets, each containing one element.</a:t>
             </a:r>
-            <a:endParaRPr sz="1700"/>
+            <a:endParaRPr sz="1700" dirty="0"/>
           </a:p>
           <a:p>
             <a:pPr marL="457200" lvl="0" indent="-336550" algn="l" rtl="0">
@@ -16451,11 +16527,35 @@
               <a:buChar char="●"/>
             </a:pPr>
             <a:r>
-              <a:rPr lang="en" sz="1700"/>
-              <a:t>Repeatedly merge sublist to produce new sorted sublists until there is only one sublist remaining. That will be the sorted list. (</a:t>
-            </a:r>
-            <a:r>
-              <a:rPr lang="en" sz="1700" u="sng">
+              <a:rPr lang="en" sz="1700" dirty="0"/>
+              <a:t>Repeatedly merge </a:t>
+            </a:r>
+            <a:r>
+              <a:rPr lang="en" sz="1700" dirty="0" err="1"/>
+              <a:t>sublist</a:t>
+            </a:r>
+            <a:r>
+              <a:rPr lang="en" sz="1700" dirty="0"/>
+              <a:t> to produce new sorted </a:t>
+            </a:r>
+            <a:r>
+              <a:rPr lang="en" sz="1700" dirty="0" err="1"/>
+              <a:t>sublists</a:t>
+            </a:r>
+            <a:r>
+              <a:rPr lang="en" sz="1700" dirty="0"/>
+              <a:t> until there is only one </a:t>
+            </a:r>
+            <a:r>
+              <a:rPr lang="en" sz="1700" dirty="0" err="1"/>
+              <a:t>sublist</a:t>
+            </a:r>
+            <a:r>
+              <a:rPr lang="en" sz="1700" dirty="0"/>
+              <a:t> remaining. That will be the sorted list. (</a:t>
+            </a:r>
+            <a:r>
+              <a:rPr lang="en" sz="1700" u="sng" dirty="0">
                 <a:solidFill>
                   <a:schemeClr val="accent5"/>
                 </a:solidFill>
@@ -16470,10 +16570,10 @@
               <a:t>https://en.wikipedia.org/wiki/Merge_sort</a:t>
             </a:r>
             <a:r>
-              <a:rPr lang="en" sz="1700"/>
+              <a:rPr lang="en" sz="1700" dirty="0"/>
               <a:t>)</a:t>
             </a:r>
-            <a:endParaRPr sz="1700"/>
+            <a:endParaRPr sz="1700" dirty="0"/>
           </a:p>
           <a:p>
             <a:pPr marL="457200" lvl="0" indent="0" algn="l" rtl="0">
@@ -16485,36 +16585,38 @@
               </a:spcAft>
               <a:buNone/>
             </a:pPr>
-            <a:endParaRPr sz="1700"/>
+            <a:endParaRPr sz="1700" dirty="0"/>
           </a:p>
         </p:txBody>
       </p:sp>
       <p:pic>
         <p:nvPicPr>
-          <p:cNvPr id="171" name="Google Shape;171;p19"/>
-          <p:cNvPicPr preferRelativeResize="0"/>
+          <p:cNvPr id="4" name="Picture 3" descr="A graph with red lines&#10;&#10;Description automatically generated">
+            <a:extLst>
+              <a:ext uri="{FF2B5EF4-FFF2-40B4-BE49-F238E27FC236}">
+                <a16:creationId xmlns:a16="http://schemas.microsoft.com/office/drawing/2014/main" id="{E7839962-5D60-3D4B-25AB-B62C7D32D729}"/>
+              </a:ext>
+            </a:extLst>
+          </p:cNvPr>
+          <p:cNvPicPr>
+            <a:picLocks noChangeAspect="1"/>
+          </p:cNvPicPr>
           <p:nvPr/>
         </p:nvPicPr>
         <p:blipFill>
-          <a:blip r:embed="rId4">
-            <a:alphaModFix/>
-          </a:blip>
+          <a:blip r:embed="rId4"/>
           <a:stretch>
             <a:fillRect/>
           </a:stretch>
         </p:blipFill>
         <p:spPr>
           <a:xfrm>
-            <a:off x="3388200" y="3091725"/>
-            <a:ext cx="2857500" cy="1588550"/>
+            <a:off x="3320934" y="2971299"/>
+            <a:ext cx="2502131" cy="1876598"/>
           </a:xfrm>
           <a:prstGeom prst="rect">
             <a:avLst/>
           </a:prstGeom>
-          <a:noFill/>
-          <a:ln>
-            <a:noFill/>
-          </a:ln>
         </p:spPr>
       </p:pic>
     </p:spTree>
@@ -17076,7 +17178,7 @@
         </p:nvSpPr>
         <p:spPr>
           <a:xfrm>
-            <a:off x="4572000" y="4300200"/>
+            <a:off x="2651760" y="4435686"/>
             <a:ext cx="3614100" cy="843300"/>
           </a:xfrm>
           <a:prstGeom prst="rect">
@@ -17106,7 +17208,7 @@
               <a:buNone/>
             </a:pPr>
             <a:r>
-              <a:rPr lang="en" sz="1300">
+              <a:rPr lang="en" sz="1300" dirty="0">
                 <a:solidFill>
                   <a:schemeClr val="lt1"/>
                 </a:solidFill>
@@ -17118,7 +17220,7 @@
               <a:t>(</a:t>
             </a:r>
             <a:r>
-              <a:rPr lang="en" sz="1300" u="sng">
+              <a:rPr lang="en" sz="1300" u="sng" dirty="0">
                 <a:solidFill>
                   <a:schemeClr val="accent5"/>
                 </a:solidFill>
@@ -17137,7 +17239,7 @@
               <a:t>https://betterprogramming.pub/5-basic-sorting-algorithms-you-must-know-9ef5b1f3949c</a:t>
             </a:r>
             <a:r>
-              <a:rPr lang="en" sz="1300">
+              <a:rPr lang="en" sz="1300" dirty="0">
                 <a:solidFill>
                   <a:schemeClr val="lt1"/>
                 </a:solidFill>
@@ -17148,7 +17250,7 @@
               </a:rPr>
               <a:t>)</a:t>
             </a:r>
-            <a:endParaRPr sz="1300">
+            <a:endParaRPr sz="1300" dirty="0">
               <a:solidFill>
                 <a:schemeClr val="lt1"/>
               </a:solidFill>
@@ -17218,6 +17320,36 @@
           </a:p>
         </p:txBody>
       </p:sp>
+      <p:pic>
+        <p:nvPicPr>
+          <p:cNvPr id="3" name="Picture 2" descr="A computer screen with text and images&#10;&#10;Description automatically generated">
+            <a:extLst>
+              <a:ext uri="{FF2B5EF4-FFF2-40B4-BE49-F238E27FC236}">
+                <a16:creationId xmlns:a16="http://schemas.microsoft.com/office/drawing/2014/main" id="{DEB22977-1B11-EB38-57C0-CF1B1EEC841D}"/>
+              </a:ext>
+            </a:extLst>
+          </p:cNvPr>
+          <p:cNvPicPr>
+            <a:picLocks noChangeAspect="1"/>
+          </p:cNvPicPr>
+          <p:nvPr/>
+        </p:nvPicPr>
+        <p:blipFill>
+          <a:blip r:embed="rId4"/>
+          <a:stretch>
+            <a:fillRect/>
+          </a:stretch>
+        </p:blipFill>
+        <p:spPr>
+          <a:xfrm>
+            <a:off x="4572000" y="1710497"/>
+            <a:ext cx="4523994" cy="2725189"/>
+          </a:xfrm>
+          <a:prstGeom prst="rect">
+            <a:avLst/>
+          </a:prstGeom>
+        </p:spPr>
+      </p:pic>
     </p:spTree>
   </p:cSld>
   <p:clrMapOvr>
